--- a/Documentation/PygameProjectPresentation.pptx
+++ b/Documentation/PygameProjectPresentation.pptx
@@ -9942,7 +9942,23 @@
             <a:pPr rtl="0"/>
             <a:r>
               <a:rPr lang="ru" dirty="0" smtClean="0"/>
-              <a:t>В репозитории есть папки с документацией и видео-демонстрациями</a:t>
+              <a:t>В </a:t>
+            </a:r>
+            <a:r>
+              <a:rPr lang="ru" dirty="0" smtClean="0"/>
+              <a:t>репозитори</a:t>
+            </a:r>
+            <a:r>
+              <a:rPr lang="ru-RU" dirty="0" smtClean="0"/>
+              <a:t>и</a:t>
+            </a:r>
+            <a:r>
+              <a:rPr lang="ru" dirty="0" smtClean="0"/>
+              <a:t> </a:t>
+            </a:r>
+            <a:r>
+              <a:rPr lang="ru" dirty="0" smtClean="0"/>
+              <a:t>есть папки с документацией и видео-демонстрациями</a:t>
             </a:r>
             <a:endParaRPr lang="ru" dirty="0"/>
           </a:p>
@@ -10236,8 +10252,13 @@
             </a:r>
             <a:r>
               <a:rPr lang="ru-RU" dirty="0" smtClean="0"/>
-              <a:t> на высоких уровнях, программа РАБОТАЕТ.</a:t>
-            </a:r>
+              <a:t> на высоких уровнях, программа </a:t>
+            </a:r>
+            <a:r>
+              <a:rPr lang="ru-RU" dirty="0" smtClean="0"/>
+              <a:t>РАБОТАЕТ (нет).</a:t>
+            </a:r>
+            <a:endParaRPr lang="ru-RU" dirty="0" smtClean="0"/>
           </a:p>
           <a:p>
             <a:pPr rtl="0"/>
@@ -12273,6 +12294,15 @@
 </file>
 
 <file path=customXml/item2.xml><?xml version="1.0" encoding="utf-8"?>
+<?mso-contentType ?>
+<FormTemplates xmlns="http://schemas.microsoft.com/sharepoint/v3/contenttype/forms">
+  <Display>DocumentLibraryForm</Display>
+  <Edit>AssetEditForm</Edit>
+  <New>DocumentLibraryForm</New>
+</FormTemplates>
+</file>
+
+<file path=customXml/item3.xml><?xml version="1.0" encoding="utf-8"?>
 <p:properties xmlns:p="http://schemas.microsoft.com/office/2006/metadata/properties" xmlns:xsi="http://www.w3.org/2001/XMLSchema-instance" xmlns:pc="http://schemas.microsoft.com/office/infopath/2007/PartnerControls">
   <documentManagement>
     <LocPublishedLinkedAssetsLookup xmlns="4873beb7-5857-4685-be1f-d57550cc96cc" xsi:nil="true"/>
@@ -12408,15 +12438,6 @@
 </p:properties>
 </file>
 
-<file path=customXml/item3.xml><?xml version="1.0" encoding="utf-8"?>
-<?mso-contentType ?>
-<FormTemplates xmlns="http://schemas.microsoft.com/sharepoint/v3/contenttype/forms">
-  <Display>DocumentLibraryForm</Display>
-  <Edit>AssetEditForm</Edit>
-  <New>DocumentLibraryForm</New>
-</FormTemplates>
-</file>
-
 <file path=customXml/itemProps1.xml><?xml version="1.0" encoding="utf-8"?>
 <ds:datastoreItem xmlns:ds="http://schemas.openxmlformats.org/officeDocument/2006/customXml" ds:itemID="{A09BF4D4-EF60-4196-BFC3-9462D607978C}">
   <ds:schemaRefs>
@@ -12436,6 +12457,14 @@
 </file>
 
 <file path=customXml/itemProps2.xml><?xml version="1.0" encoding="utf-8"?>
+<ds:datastoreItem xmlns:ds="http://schemas.openxmlformats.org/officeDocument/2006/customXml" ds:itemID="{3836F65B-1B07-41EE-A0E8-BC6EF3855225}">
+  <ds:schemaRefs>
+    <ds:schemaRef ds:uri="http://schemas.microsoft.com/sharepoint/v3/contenttype/forms"/>
+  </ds:schemaRefs>
+</ds:datastoreItem>
+</file>
+
+<file path=customXml/itemProps3.xml><?xml version="1.0" encoding="utf-8"?>
 <ds:datastoreItem xmlns:ds="http://schemas.openxmlformats.org/officeDocument/2006/customXml" ds:itemID="{60C67BEE-D13F-4BD2-98A5-34D8A0977F68}">
   <ds:schemaRefs>
     <ds:schemaRef ds:uri="http://schemas.microsoft.com/office/2006/metadata/properties"/>
@@ -12449,12 +12478,4 @@
     <ds:schemaRef ds:uri="http://purl.org/dc/dcmitype/"/>
   </ds:schemaRefs>
 </ds:datastoreItem>
-</file>
-
-<file path=customXml/itemProps3.xml><?xml version="1.0" encoding="utf-8"?>
-<ds:datastoreItem xmlns:ds="http://schemas.openxmlformats.org/officeDocument/2006/customXml" ds:itemID="{3836F65B-1B07-41EE-A0E8-BC6EF3855225}">
-  <ds:schemaRefs>
-    <ds:schemaRef ds:uri="http://schemas.microsoft.com/sharepoint/v3/contenttype/forms"/>
-  </ds:schemaRefs>
-</ds:datastoreItem>
 </file>